--- a/타란유엑스디_GitHub_사용가이드.pptx
+++ b/타란유엑스디_GitHub_사용가이드.pptx
@@ -203,7 +203,7 @@
       </p14:sectionLst>
     </p:ext>
     <p:ext uri="{EFAFB233-063F-42B5-8137-9DF3F51BA10A}">
-      <p15:sldGuideLst xmlns:p15="http://schemas.microsoft.com/office/powerpoint/2012/main" xmlns="">
+      <p15:sldGuideLst xmlns="" xmlns:p15="http://schemas.microsoft.com/office/powerpoint/2012/main">
         <p15:guide id="1" orient="horz" pos="2160">
           <p15:clr>
             <a:srgbClr val="A4A3A4"/>
@@ -217,7 +217,7 @@
       </p15:sldGuideLst>
     </p:ext>
     <p:ext uri="{2D200454-40CA-4A62-9FC3-DE9A4176ACB9}">
-      <p15:notesGuideLst xmlns:p15="http://schemas.microsoft.com/office/powerpoint/2012/main" xmlns="">
+      <p15:notesGuideLst xmlns="" xmlns:p15="http://schemas.microsoft.com/office/powerpoint/2012/main">
         <p15:guide id="1" orient="horz" pos="2880">
           <p15:clr>
             <a:srgbClr val="A4A3A4"/>
@@ -28395,14 +28395,14 @@
           <p:nvPr>
             <p:extLst>
               <p:ext uri="{D42A27DB-BD31-4B8C-83A1-F6EECF244321}">
-                <p14:modId xmlns:p14="http://schemas.microsoft.com/office/powerpoint/2010/main" val="1064279127"/>
+                <p14:modId xmlns:p14="http://schemas.microsoft.com/office/powerpoint/2010/main" val="894919607"/>
               </p:ext>
             </p:extLst>
           </p:nvPr>
         </p:nvGraphicFramePr>
         <p:xfrm>
           <a:off x="787285" y="1232673"/>
-          <a:ext cx="3805955" cy="3591327"/>
+          <a:ext cx="3805955" cy="3395307"/>
         </p:xfrm>
         <a:graphic>
           <a:graphicData uri="http://schemas.openxmlformats.org/drawingml/2006/table">
@@ -28710,244 +28710,6 @@
                           <a:ea typeface="맑은 고딕" pitchFamily="50" charset="-127"/>
                         </a:rPr>
                         <a:t>문서의 목적</a:t>
-                      </a:r>
-                      <a:endParaRPr lang="ko-KR" altLang="en-US" sz="1050" b="0" i="0" u="none" strike="noStrike" dirty="0">
-                        <a:solidFill>
-                          <a:srgbClr val="000000"/>
-                        </a:solidFill>
-                        <a:effectLst/>
-                        <a:latin typeface="맑은 고딕" pitchFamily="50" charset="-127"/>
-                        <a:ea typeface="맑은 고딕" pitchFamily="50" charset="-127"/>
-                      </a:endParaRPr>
-                    </a:p>
-                  </a:txBody>
-                  <a:tcPr marL="0" marR="0" marT="36000" marB="0" anchor="ctr">
-                    <a:lnL w="3175" cap="flat" cmpd="sng" algn="ctr">
-                      <a:noFill/>
-                      <a:prstDash val="solid"/>
-                      <a:round/>
-                      <a:headEnd type="none" w="med" len="med"/>
-                      <a:tailEnd type="none" w="med" len="med"/>
-                    </a:lnL>
-                    <a:lnR w="3175" cap="flat" cmpd="sng" algn="ctr">
-                      <a:noFill/>
-                      <a:prstDash val="solid"/>
-                      <a:round/>
-                      <a:headEnd type="none" w="med" len="med"/>
-                      <a:tailEnd type="none" w="med" len="med"/>
-                    </a:lnR>
-                    <a:lnT w="3175" cap="flat" cmpd="sng" algn="ctr">
-                      <a:noFill/>
-                      <a:prstDash val="solid"/>
-                      <a:round/>
-                      <a:headEnd type="none" w="med" len="med"/>
-                      <a:tailEnd type="none" w="med" len="med"/>
-                    </a:lnT>
-                    <a:lnB w="3175" cap="flat" cmpd="sng" algn="ctr">
-                      <a:noFill/>
-                      <a:prstDash val="solid"/>
-                      <a:round/>
-                      <a:headEnd type="none" w="med" len="med"/>
-                      <a:tailEnd type="none" w="med" len="med"/>
-                    </a:lnB>
-                    <a:noFill/>
-                  </a:tcPr>
-                </a:tc>
-                <a:tc>
-                  <a:txBody>
-                    <a:bodyPr/>
-                    <a:lstStyle/>
-                    <a:p>
-                      <a:pPr algn="l" fontAlgn="ctr"/>
-                      <a:endParaRPr lang="ko-KR" altLang="en-US" sz="1050" b="0" i="0" u="none" strike="noStrike">
-                        <a:solidFill>
-                          <a:srgbClr val="000000"/>
-                        </a:solidFill>
-                        <a:effectLst/>
-                        <a:latin typeface="맑은 고딕" pitchFamily="50" charset="-127"/>
-                        <a:ea typeface="맑은 고딕" pitchFamily="50" charset="-127"/>
-                      </a:endParaRPr>
-                    </a:p>
-                  </a:txBody>
-                  <a:tcPr marL="0" marR="0" marT="36000" marB="0" anchor="ctr">
-                    <a:lnL w="3175" cap="flat" cmpd="sng" algn="ctr">
-                      <a:noFill/>
-                      <a:prstDash val="solid"/>
-                      <a:round/>
-                      <a:headEnd type="none" w="med" len="med"/>
-                      <a:tailEnd type="none" w="med" len="med"/>
-                    </a:lnL>
-                    <a:lnR w="3175" cap="flat" cmpd="sng" algn="ctr">
-                      <a:noFill/>
-                      <a:prstDash val="solid"/>
-                      <a:round/>
-                      <a:headEnd type="none" w="med" len="med"/>
-                      <a:tailEnd type="none" w="med" len="med"/>
-                    </a:lnR>
-                    <a:lnT w="3175" cap="flat" cmpd="sng" algn="ctr">
-                      <a:noFill/>
-                      <a:prstDash val="solid"/>
-                      <a:round/>
-                      <a:headEnd type="none" w="med" len="med"/>
-                      <a:tailEnd type="none" w="med" len="med"/>
-                    </a:lnT>
-                    <a:lnB w="3175" cap="flat" cmpd="sng" algn="ctr">
-                      <a:noFill/>
-                      <a:prstDash val="solid"/>
-                      <a:round/>
-                      <a:headEnd type="none" w="med" len="med"/>
-                      <a:tailEnd type="none" w="med" len="med"/>
-                    </a:lnB>
-                    <a:noFill/>
-                  </a:tcPr>
-                </a:tc>
-              </a:tr>
-              <a:tr h="0">
-                <a:tc>
-                  <a:txBody>
-                    <a:bodyPr/>
-                    <a:lstStyle/>
-                    <a:p>
-                      <a:pPr algn="l" fontAlgn="ctr"/>
-                      <a:endParaRPr lang="ko-KR" altLang="en-US" sz="1050" b="0" i="0" u="none" strike="noStrike" dirty="0">
-                        <a:solidFill>
-                          <a:srgbClr val="000000"/>
-                        </a:solidFill>
-                        <a:effectLst/>
-                        <a:latin typeface="맑은 고딕" pitchFamily="50" charset="-127"/>
-                        <a:ea typeface="맑은 고딕" pitchFamily="50" charset="-127"/>
-                      </a:endParaRPr>
-                    </a:p>
-                  </a:txBody>
-                  <a:tcPr marL="0" marR="0" marT="36000" marB="0" anchor="ctr">
-                    <a:lnL w="3175" cap="flat" cmpd="sng" algn="ctr">
-                      <a:noFill/>
-                      <a:prstDash val="solid"/>
-                      <a:round/>
-                      <a:headEnd type="none" w="med" len="med"/>
-                      <a:tailEnd type="none" w="med" len="med"/>
-                    </a:lnL>
-                    <a:lnR w="3175" cap="flat" cmpd="sng" algn="ctr">
-                      <a:noFill/>
-                      <a:prstDash val="solid"/>
-                      <a:round/>
-                      <a:headEnd type="none" w="med" len="med"/>
-                      <a:tailEnd type="none" w="med" len="med"/>
-                    </a:lnR>
-                    <a:lnT w="3175" cap="flat" cmpd="sng" algn="ctr">
-                      <a:noFill/>
-                      <a:prstDash val="solid"/>
-                      <a:round/>
-                      <a:headEnd type="none" w="med" len="med"/>
-                      <a:tailEnd type="none" w="med" len="med"/>
-                    </a:lnT>
-                    <a:lnB w="3175" cap="flat" cmpd="sng" algn="ctr">
-                      <a:noFill/>
-                      <a:prstDash val="solid"/>
-                      <a:round/>
-                      <a:headEnd type="none" w="med" len="med"/>
-                      <a:tailEnd type="none" w="med" len="med"/>
-                    </a:lnB>
-                    <a:noFill/>
-                  </a:tcPr>
-                </a:tc>
-                <a:tc>
-                  <a:txBody>
-                    <a:bodyPr/>
-                    <a:lstStyle/>
-                    <a:p>
-                      <a:pPr algn="l" fontAlgn="ctr"/>
-                      <a:r>
-                        <a:rPr lang="en-US" altLang="ko-KR" sz="1050" b="0" i="0" u="none" strike="noStrike" dirty="0" smtClean="0">
-                          <a:solidFill>
-                            <a:srgbClr val="000000"/>
-                          </a:solidFill>
-                          <a:effectLst/>
-                          <a:latin typeface="맑은 고딕" pitchFamily="50" charset="-127"/>
-                          <a:ea typeface="맑은 고딕" pitchFamily="50" charset="-127"/>
-                        </a:rPr>
-                        <a:t>1-2</a:t>
-                      </a:r>
-                      <a:endParaRPr lang="en-US" altLang="ko-KR" sz="1050" b="0" i="0" u="none" strike="noStrike" dirty="0">
-                        <a:solidFill>
-                          <a:srgbClr val="000000"/>
-                        </a:solidFill>
-                        <a:effectLst/>
-                        <a:latin typeface="맑은 고딕" pitchFamily="50" charset="-127"/>
-                        <a:ea typeface="맑은 고딕" pitchFamily="50" charset="-127"/>
-                      </a:endParaRPr>
-                    </a:p>
-                  </a:txBody>
-                  <a:tcPr marL="0" marR="0" marT="36000" marB="0" anchor="ctr">
-                    <a:lnL w="3175" cap="flat" cmpd="sng" algn="ctr">
-                      <a:noFill/>
-                      <a:prstDash val="solid"/>
-                      <a:round/>
-                      <a:headEnd type="none" w="med" len="med"/>
-                      <a:tailEnd type="none" w="med" len="med"/>
-                    </a:lnL>
-                    <a:lnR w="3175" cap="flat" cmpd="sng" algn="ctr">
-                      <a:noFill/>
-                      <a:prstDash val="solid"/>
-                      <a:round/>
-                      <a:headEnd type="none" w="med" len="med"/>
-                      <a:tailEnd type="none" w="med" len="med"/>
-                    </a:lnR>
-                    <a:lnT w="3175" cap="flat" cmpd="sng" algn="ctr">
-                      <a:noFill/>
-                      <a:prstDash val="solid"/>
-                      <a:round/>
-                      <a:headEnd type="none" w="med" len="med"/>
-                      <a:tailEnd type="none" w="med" len="med"/>
-                    </a:lnT>
-                    <a:lnB w="3175" cap="flat" cmpd="sng" algn="ctr">
-                      <a:noFill/>
-                      <a:prstDash val="solid"/>
-                      <a:round/>
-                      <a:headEnd type="none" w="med" len="med"/>
-                      <a:tailEnd type="none" w="med" len="med"/>
-                    </a:lnB>
-                    <a:noFill/>
-                  </a:tcPr>
-                </a:tc>
-                <a:tc>
-                  <a:txBody>
-                    <a:bodyPr/>
-                    <a:lstStyle/>
-                    <a:p>
-                      <a:pPr algn="l" fontAlgn="ctr"/>
-                      <a:r>
-                        <a:rPr lang="en-US" altLang="ko-KR" sz="1050" b="0" i="0" u="none" strike="noStrike" dirty="0" smtClean="0">
-                          <a:solidFill>
-                            <a:srgbClr val="000000"/>
-                          </a:solidFill>
-                          <a:effectLst/>
-                          <a:latin typeface="맑은 고딕" pitchFamily="50" charset="-127"/>
-                          <a:ea typeface="맑은 고딕" pitchFamily="50" charset="-127"/>
-                        </a:rPr>
-                        <a:t>GitHub</a:t>
-                      </a:r>
-                      <a:r>
-                        <a:rPr lang="ko-KR" altLang="en-US" sz="1050" b="0" i="0" u="none" strike="noStrike" dirty="0" smtClean="0">
-                          <a:solidFill>
-                            <a:srgbClr val="000000"/>
-                          </a:solidFill>
-                          <a:effectLst/>
-                          <a:latin typeface="맑은 고딕" pitchFamily="50" charset="-127"/>
-                          <a:ea typeface="맑은 고딕" pitchFamily="50" charset="-127"/>
-                        </a:rPr>
-                        <a:t>란</a:t>
-                      </a:r>
-                      <a:r>
-                        <a:rPr lang="en-US" altLang="ko-KR" sz="1050" b="0" i="0" u="none" strike="noStrike" dirty="0" smtClean="0">
-                          <a:solidFill>
-                            <a:srgbClr val="000000"/>
-                          </a:solidFill>
-                          <a:effectLst/>
-                          <a:latin typeface="맑은 고딕" pitchFamily="50" charset="-127"/>
-                          <a:ea typeface="맑은 고딕" pitchFamily="50" charset="-127"/>
-                        </a:rPr>
-                        <a:t>?</a:t>
                       </a:r>
                       <a:endParaRPr lang="ko-KR" altLang="en-US" sz="1050" b="0" i="0" u="none" strike="noStrike" dirty="0">
                         <a:solidFill>
@@ -38112,7 +37874,7 @@
         <p:spPr>
           <a:xfrm>
             <a:off x="416496" y="715259"/>
-            <a:ext cx="9289032" cy="733534"/>
+            <a:ext cx="9289032" cy="938719"/>
           </a:xfrm>
           <a:prstGeom prst="rect">
             <a:avLst/>
@@ -38197,12 +37959,29 @@
             </a:r>
             <a:r>
               <a:rPr lang="ko-KR" altLang="en-US" sz="1100" dirty="0" smtClean="0"/>
-              <a:t>을 하는 등 비효율 적임</a:t>
+              <a:t>을 </a:t>
+            </a:r>
+            <a:r>
+              <a:rPr lang="ko-KR" altLang="en-US" sz="1100" dirty="0" smtClean="0"/>
+              <a:t>해야 하는 등 비효율적이고 사용방법이 다소 어려움</a:t>
             </a:r>
             <a:r>
               <a:rPr lang="en-US" altLang="ko-KR" sz="1100" dirty="0" smtClean="0"/>
-              <a:t>.</a:t>
-            </a:r>
+              <a:t>. </a:t>
+            </a:r>
+            <a:r>
+              <a:rPr lang="ko-KR" altLang="en-US" sz="1100" dirty="0" smtClean="0">
+                <a:solidFill>
+                  <a:srgbClr val="FF0000"/>
+                </a:solidFill>
+              </a:rPr>
+              <a:t>사용 비 권장</a:t>
+            </a:r>
+            <a:endParaRPr lang="en-US" altLang="ko-KR" sz="1100" dirty="0" smtClean="0">
+              <a:solidFill>
+                <a:srgbClr val="FF0000"/>
+              </a:solidFill>
+            </a:endParaRPr>
           </a:p>
           <a:p>
             <a:pPr marL="0" lvl="1">
@@ -38786,7 +38565,7 @@
         <p:spPr>
           <a:xfrm>
             <a:off x="1320850" y="2420888"/>
-            <a:ext cx="3998540" cy="738664"/>
+            <a:ext cx="3998540" cy="415498"/>
           </a:xfrm>
           <a:prstGeom prst="rect">
             <a:avLst/>
@@ -38826,45 +38605,16 @@
                 <a:latin typeface="맑은 고딕" pitchFamily="50" charset="-127"/>
                 <a:ea typeface="맑은 고딕" pitchFamily="50" charset="-127"/>
               </a:rPr>
-              <a:t>문서의 목적</a:t>
-            </a:r>
-            <a:endParaRPr lang="en-US" altLang="ko-KR" sz="1400" dirty="0" smtClean="0">
-              <a:latin typeface="맑은 고딕" pitchFamily="50" charset="-127"/>
-              <a:ea typeface="맑은 고딕" pitchFamily="50" charset="-127"/>
-            </a:endParaRPr>
-          </a:p>
-          <a:p>
-            <a:pPr fontAlgn="ctr">
-              <a:lnSpc>
-                <a:spcPct val="150000"/>
-              </a:lnSpc>
-            </a:pPr>
-            <a:r>
-              <a:rPr lang="en-US" altLang="ko-KR" sz="1400" b="0" i="0" u="none" strike="noStrike" dirty="0" smtClean="0">
-                <a:effectLst/>
+              <a:t>문서의 </a:t>
+            </a:r>
+            <a:r>
+              <a:rPr lang="ko-KR" altLang="en-US" sz="1400" dirty="0" smtClean="0">
                 <a:latin typeface="맑은 고딕" pitchFamily="50" charset="-127"/>
                 <a:ea typeface="맑은 고딕" pitchFamily="50" charset="-127"/>
               </a:rPr>
-              <a:t>1-2 GitHub</a:t>
-            </a:r>
-            <a:r>
-              <a:rPr lang="ko-KR" altLang="en-US" sz="1400" b="0" i="0" u="none" strike="noStrike" dirty="0" smtClean="0">
-                <a:effectLst/>
-                <a:latin typeface="맑은 고딕" pitchFamily="50" charset="-127"/>
-                <a:ea typeface="맑은 고딕" pitchFamily="50" charset="-127"/>
-              </a:rPr>
-              <a:t>란</a:t>
-            </a:r>
-            <a:r>
-              <a:rPr lang="en-US" altLang="ko-KR" sz="1400" b="0" i="0" u="none" strike="noStrike" dirty="0" smtClean="0">
-                <a:effectLst/>
-                <a:latin typeface="맑은 고딕" pitchFamily="50" charset="-127"/>
-                <a:ea typeface="맑은 고딕" pitchFamily="50" charset="-127"/>
-              </a:rPr>
-              <a:t>?</a:t>
-            </a:r>
-            <a:endParaRPr lang="ko-KR" altLang="ko-KR" sz="1400" b="0" i="0" u="none" strike="noStrike" dirty="0" smtClean="0">
-              <a:effectLst/>
+              <a:t>목적</a:t>
+            </a:r>
+            <a:endParaRPr lang="en-US" altLang="ko-KR" sz="1400" dirty="0" smtClean="0">
               <a:latin typeface="맑은 고딕" pitchFamily="50" charset="-127"/>
               <a:ea typeface="맑은 고딕" pitchFamily="50" charset="-127"/>
             </a:endParaRPr>
@@ -39891,7 +39641,6 @@
               <a:rPr lang="en-US" altLang="ko-KR" sz="1100" dirty="0" smtClean="0"/>
               <a:t>*******</a:t>
             </a:r>
-            <a:endParaRPr lang="en-US" altLang="ko-KR" sz="1100" dirty="0" smtClean="0"/>
           </a:p>
           <a:p>
             <a:pPr marL="0" lvl="1">

--- a/타란유엑스디_GitHub_사용가이드.pptx
+++ b/타란유엑스디_GitHub_사용가이드.pptx
@@ -203,7 +203,7 @@
       </p14:sectionLst>
     </p:ext>
     <p:ext uri="{EFAFB233-063F-42B5-8137-9DF3F51BA10A}">
-      <p15:sldGuideLst xmlns="" xmlns:p15="http://schemas.microsoft.com/office/powerpoint/2012/main">
+      <p15:sldGuideLst xmlns:p15="http://schemas.microsoft.com/office/powerpoint/2012/main" xmlns="">
         <p15:guide id="1" orient="horz" pos="2160">
           <p15:clr>
             <a:srgbClr val="A4A3A4"/>
@@ -217,7 +217,7 @@
       </p15:sldGuideLst>
     </p:ext>
     <p:ext uri="{2D200454-40CA-4A62-9FC3-DE9A4176ACB9}">
-      <p15:notesGuideLst xmlns="" xmlns:p15="http://schemas.microsoft.com/office/powerpoint/2012/main">
+      <p15:notesGuideLst xmlns:p15="http://schemas.microsoft.com/office/powerpoint/2012/main" xmlns="">
         <p15:guide id="1" orient="horz" pos="2880">
           <p15:clr>
             <a:srgbClr val="A4A3A4"/>
@@ -4565,7 +4565,7 @@
         <p:spPr>
           <a:xfrm>
             <a:off x="416496" y="753551"/>
-            <a:ext cx="9289032" cy="515526"/>
+            <a:ext cx="9289032" cy="733534"/>
           </a:xfrm>
           <a:prstGeom prst="rect">
             <a:avLst/>
@@ -4678,15 +4678,41 @@
             </a:r>
             <a:r>
               <a:rPr lang="ko-KR" altLang="en-US" sz="1100" dirty="0" smtClean="0"/>
-              <a:t> 페이지를 참고하여 환경 설정을 먼저 진행하세요</a:t>
+              <a:t> 페이지를 참고하여 환경 설정을 먼저 </a:t>
+            </a:r>
+            <a:r>
+              <a:rPr lang="ko-KR" altLang="en-US" sz="1100" dirty="0" err="1" smtClean="0"/>
+              <a:t>진행해야한다</a:t>
             </a:r>
             <a:r>
               <a:rPr lang="en-US" altLang="ko-KR" sz="1100" dirty="0" smtClean="0"/>
               <a:t>. </a:t>
             </a:r>
+          </a:p>
+          <a:p>
+            <a:pPr marL="0" lvl="1">
+              <a:lnSpc>
+                <a:spcPts val="1600"/>
+              </a:lnSpc>
+              <a:spcBef>
+                <a:spcPts val="50"/>
+              </a:spcBef>
+            </a:pPr>
+            <a:r>
+              <a:rPr lang="en-US" altLang="ko-KR" sz="1100" dirty="0"/>
+              <a:t> </a:t>
+            </a:r>
+            <a:r>
+              <a:rPr lang="en-US" altLang="ko-KR" sz="1100" dirty="0" smtClean="0"/>
+              <a:t>  </a:t>
+            </a:r>
             <a:r>
               <a:rPr lang="ko-KR" altLang="en-US" sz="1100" dirty="0" smtClean="0"/>
-              <a:t>다음 업로드 방법은 </a:t>
+              <a:t>다음 </a:t>
+            </a:r>
+            <a:r>
+              <a:rPr lang="ko-KR" altLang="en-US" sz="1100" dirty="0" smtClean="0"/>
+              <a:t>업로드 방법은 </a:t>
             </a:r>
             <a:r>
               <a:rPr lang="ko-KR" altLang="en-US" sz="1100" dirty="0" err="1" smtClean="0"/>
@@ -4694,7 +4720,11 @@
             </a:r>
             <a:r>
               <a:rPr lang="ko-KR" altLang="en-US" sz="1100" dirty="0" smtClean="0"/>
-              <a:t> 되었음을 간주합니다</a:t>
+              <a:t> 되었음을 </a:t>
+            </a:r>
+            <a:r>
+              <a:rPr lang="ko-KR" altLang="en-US" sz="1100" dirty="0" smtClean="0"/>
+              <a:t>간주함</a:t>
             </a:r>
             <a:r>
               <a:rPr lang="en-US" altLang="ko-KR" sz="1100" dirty="0" smtClean="0"/>
@@ -4744,7 +4774,7 @@
         </p:nvSpPr>
         <p:spPr>
           <a:xfrm>
-            <a:off x="416496" y="1351801"/>
+            <a:off x="416496" y="1528846"/>
             <a:ext cx="9001000" cy="515526"/>
           </a:xfrm>
           <a:prstGeom prst="rect">
@@ -8910,7 +8940,7 @@
         </p:blipFill>
         <p:spPr bwMode="auto">
           <a:xfrm>
-            <a:off x="704528" y="1855267"/>
+            <a:off x="704528" y="1877976"/>
             <a:ext cx="6158926" cy="3153338"/>
           </a:xfrm>
           <a:prstGeom prst="rect">
@@ -9088,7 +9118,6 @@
               <a:rPr lang="en-US" altLang="ko-KR" sz="1100" dirty="0" smtClean="0"/>
               <a:t>.</a:t>
             </a:r>
-            <a:endParaRPr lang="en-US" altLang="ko-KR" sz="1100" dirty="0"/>
           </a:p>
           <a:p>
             <a:pPr marL="0" lvl="1">
@@ -9141,7 +9170,7 @@
         </p:nvSpPr>
         <p:spPr>
           <a:xfrm>
-            <a:off x="416496" y="1330028"/>
+            <a:off x="416496" y="1484784"/>
             <a:ext cx="9001000" cy="297517"/>
           </a:xfrm>
           <a:prstGeom prst="rect">
@@ -9180,7 +9209,7 @@
         </p:nvSpPr>
         <p:spPr>
           <a:xfrm>
-            <a:off x="6248595" y="2604837"/>
+            <a:off x="6248595" y="2627546"/>
             <a:ext cx="238814" cy="125933"/>
           </a:xfrm>
           <a:prstGeom prst="roundRect">
@@ -9230,7 +9259,7 @@
         </p:nvSpPr>
         <p:spPr>
           <a:xfrm>
-            <a:off x="617968" y="4656877"/>
+            <a:off x="617968" y="4679586"/>
             <a:ext cx="238814" cy="125933"/>
           </a:xfrm>
           <a:prstGeom prst="roundRect">
@@ -9280,7 +9309,7 @@
         </p:nvSpPr>
         <p:spPr>
           <a:xfrm>
-            <a:off x="5673080" y="2629477"/>
+            <a:off x="5673080" y="2652186"/>
             <a:ext cx="583753" cy="253681"/>
           </a:xfrm>
           <a:prstGeom prst="rect">
@@ -9421,7 +9450,7 @@
         </p:nvSpPr>
         <p:spPr>
           <a:xfrm>
-            <a:off x="856782" y="4719843"/>
+            <a:off x="856782" y="4742552"/>
             <a:ext cx="1667544" cy="253681"/>
           </a:xfrm>
           <a:prstGeom prst="rect">
@@ -9562,7 +9591,7 @@
         </p:nvSpPr>
         <p:spPr>
           <a:xfrm>
-            <a:off x="2720752" y="4005064"/>
+            <a:off x="2720752" y="4027773"/>
             <a:ext cx="1008112" cy="253681"/>
           </a:xfrm>
           <a:prstGeom prst="rect">
@@ -9703,7 +9732,7 @@
         </p:nvSpPr>
         <p:spPr>
           <a:xfrm>
-            <a:off x="2553946" y="3942097"/>
+            <a:off x="2553946" y="3964806"/>
             <a:ext cx="238814" cy="125933"/>
           </a:xfrm>
           <a:prstGeom prst="roundRect">
@@ -9753,7 +9782,7 @@
         </p:nvSpPr>
         <p:spPr>
           <a:xfrm>
-            <a:off x="594523" y="5476793"/>
+            <a:off x="594523" y="5499502"/>
             <a:ext cx="238814" cy="125933"/>
           </a:xfrm>
           <a:prstGeom prst="roundRect">
@@ -9813,7 +9842,7 @@
         </p:nvSpPr>
         <p:spPr>
           <a:xfrm>
-            <a:off x="833337" y="5417192"/>
+            <a:off x="833337" y="5439901"/>
             <a:ext cx="2044149" cy="230832"/>
           </a:xfrm>
           <a:prstGeom prst="rect">
@@ -9854,7 +9883,7 @@
         </p:nvSpPr>
         <p:spPr>
           <a:xfrm>
-            <a:off x="4448944" y="4000666"/>
+            <a:off x="4448944" y="4023375"/>
             <a:ext cx="432048" cy="253681"/>
           </a:xfrm>
           <a:prstGeom prst="rect">
@@ -9995,7 +10024,7 @@
         </p:nvSpPr>
         <p:spPr>
           <a:xfrm>
-            <a:off x="4282138" y="3937699"/>
+            <a:off x="4282138" y="3960408"/>
             <a:ext cx="238814" cy="125933"/>
           </a:xfrm>
           <a:prstGeom prst="roundRect">
@@ -10097,7 +10126,7 @@
         </p:blipFill>
         <p:spPr bwMode="auto">
           <a:xfrm>
-            <a:off x="632519" y="1196751"/>
+            <a:off x="632519" y="1695593"/>
             <a:ext cx="6473459" cy="3317583"/>
           </a:xfrm>
           <a:prstGeom prst="rect">
@@ -10218,7 +10247,7 @@
         <p:spPr>
           <a:xfrm>
             <a:off x="416496" y="753551"/>
-            <a:ext cx="9289032" cy="276999"/>
+            <a:ext cx="9289032" cy="1156727"/>
           </a:xfrm>
           <a:prstGeom prst="rect">
             <a:avLst/>
@@ -10269,7 +10298,218 @@
             </a:r>
             <a:r>
               <a:rPr lang="en-US" altLang="ko-KR" sz="1100" dirty="0" smtClean="0"/>
+              <a:t>.</a:t>
+            </a:r>
+          </a:p>
+          <a:p>
+            <a:pPr marL="0" lvl="1">
+              <a:lnSpc>
+                <a:spcPts val="1600"/>
+              </a:lnSpc>
+              <a:spcBef>
+                <a:spcPts val="50"/>
+              </a:spcBef>
+            </a:pPr>
+            <a:r>
+              <a:rPr lang="en-US" altLang="ko-KR" sz="1100" dirty="0"/>
+              <a:t>※ Private </a:t>
+            </a:r>
+            <a:r>
+              <a:rPr lang="ko-KR" altLang="en-US" sz="1100" dirty="0"/>
+              <a:t>모드로 생성한 </a:t>
+            </a:r>
+            <a:r>
+              <a:rPr lang="en-US" altLang="ko-KR" sz="1100" dirty="0"/>
+              <a:t>Repository</a:t>
+            </a:r>
+            <a:r>
+              <a:rPr lang="ko-KR" altLang="en-US" sz="1100" dirty="0" smtClean="0"/>
+              <a:t>라도 </a:t>
+            </a:r>
+            <a:r>
+              <a:rPr lang="en-US" altLang="ko-KR" sz="1100" dirty="0" err="1" smtClean="0"/>
+              <a:t>url</a:t>
+            </a:r>
+            <a:r>
+              <a:rPr lang="ko-KR" altLang="en-US" sz="1100" dirty="0" smtClean="0"/>
+              <a:t>을 아는 사람을 누구나 웹 문서를 볼 수 있다</a:t>
+            </a:r>
+            <a:r>
+              <a:rPr lang="en-US" altLang="ko-KR" sz="1100" dirty="0" smtClean="0"/>
+              <a:t>.</a:t>
+            </a:r>
+            <a:r>
+              <a:rPr lang="ko-KR" altLang="en-US" sz="1100" dirty="0" smtClean="0"/>
+              <a:t> </a:t>
+            </a:r>
+            <a:endParaRPr lang="en-US" altLang="ko-KR" sz="1100" dirty="0" smtClean="0"/>
+          </a:p>
+          <a:p>
+            <a:pPr marL="0" lvl="1">
+              <a:lnSpc>
+                <a:spcPts val="1600"/>
+              </a:lnSpc>
+              <a:spcBef>
+                <a:spcPts val="50"/>
+              </a:spcBef>
+            </a:pPr>
+            <a:r>
+              <a:rPr lang="en-US" altLang="ko-KR" sz="1100" dirty="0" smtClean="0"/>
+              <a:t>※ </a:t>
+            </a:r>
+            <a:r>
+              <a:rPr lang="ko-KR" altLang="en-US" sz="1100" dirty="0" err="1" smtClean="0"/>
+              <a:t>타란유엑스디</a:t>
+            </a:r>
+            <a:r>
+              <a:rPr lang="ko-KR" altLang="en-US" sz="1100" dirty="0" smtClean="0"/>
+              <a:t> 계정은 유료계정</a:t>
+            </a:r>
+            <a:r>
+              <a:rPr lang="en-US" altLang="ko-KR" sz="1100" dirty="0" smtClean="0"/>
+              <a:t>(Pro) </a:t>
+            </a:r>
+            <a:r>
+              <a:rPr lang="ko-KR" altLang="en-US" sz="1100" dirty="0" smtClean="0"/>
+              <a:t>이어서 </a:t>
+            </a:r>
+            <a:r>
+              <a:rPr lang="en-US" altLang="ko-KR" sz="1100" dirty="0" smtClean="0"/>
+              <a:t>Private </a:t>
+            </a:r>
+            <a:r>
+              <a:rPr lang="ko-KR" altLang="en-US" sz="1100" dirty="0" smtClean="0"/>
+              <a:t>모드에 </a:t>
+            </a:r>
+            <a:r>
+              <a:rPr lang="en-US" altLang="ko-KR" sz="1100" dirty="0" err="1" smtClean="0"/>
+              <a:t>Github</a:t>
+            </a:r>
+            <a:r>
+              <a:rPr lang="en-US" altLang="ko-KR" sz="1100" dirty="0" smtClean="0"/>
+              <a:t> Pages</a:t>
+            </a:r>
+            <a:r>
+              <a:rPr lang="ko-KR" altLang="en-US" sz="1100" dirty="0" smtClean="0"/>
+              <a:t>를 이용한 </a:t>
+            </a:r>
+            <a:r>
+              <a:rPr lang="ko-KR" altLang="en-US" sz="1100" dirty="0" err="1" smtClean="0"/>
+              <a:t>호스팅이</a:t>
+            </a:r>
+            <a:r>
+              <a:rPr lang="ko-KR" altLang="en-US" sz="1100" dirty="0" smtClean="0"/>
+              <a:t> 가능하다</a:t>
+            </a:r>
+            <a:r>
+              <a:rPr lang="en-US" altLang="ko-KR" sz="1100" dirty="0" smtClean="0"/>
               <a:t>. </a:t>
+            </a:r>
+            <a:br>
+              <a:rPr lang="en-US" altLang="ko-KR" sz="1100" dirty="0" smtClean="0"/>
+            </a:br>
+            <a:r>
+              <a:rPr lang="en-US" altLang="ko-KR" sz="1100" dirty="0" smtClean="0"/>
+              <a:t>   </a:t>
+            </a:r>
+            <a:r>
+              <a:rPr lang="ko-KR" altLang="en-US" sz="1100" dirty="0" smtClean="0">
+                <a:solidFill>
+                  <a:srgbClr val="FF0000"/>
+                </a:solidFill>
+              </a:rPr>
+              <a:t>무료계정에서는 </a:t>
+            </a:r>
+            <a:r>
+              <a:rPr lang="en-US" altLang="ko-KR" sz="1100" dirty="0" smtClean="0">
+                <a:solidFill>
+                  <a:srgbClr val="FF0000"/>
+                </a:solidFill>
+              </a:rPr>
+              <a:t>Public </a:t>
+            </a:r>
+            <a:r>
+              <a:rPr lang="ko-KR" altLang="en-US" sz="1100" dirty="0" smtClean="0">
+                <a:solidFill>
+                  <a:srgbClr val="FF0000"/>
+                </a:solidFill>
+              </a:rPr>
+              <a:t>모드로 생성한 </a:t>
+            </a:r>
+            <a:r>
+              <a:rPr lang="en-US" altLang="ko-KR" sz="1100" dirty="0" smtClean="0">
+                <a:solidFill>
+                  <a:srgbClr val="FF0000"/>
+                </a:solidFill>
+              </a:rPr>
+              <a:t>Repository</a:t>
+            </a:r>
+            <a:r>
+              <a:rPr lang="ko-KR" altLang="en-US" sz="1100" dirty="0" smtClean="0">
+                <a:solidFill>
+                  <a:srgbClr val="FF0000"/>
+                </a:solidFill>
+              </a:rPr>
+              <a:t>만 </a:t>
+            </a:r>
+            <a:r>
+              <a:rPr lang="en-US" altLang="ko-KR" sz="1100" dirty="0" err="1">
+                <a:solidFill>
+                  <a:srgbClr val="FF0000"/>
+                </a:solidFill>
+              </a:rPr>
+              <a:t>Github</a:t>
+            </a:r>
+            <a:r>
+              <a:rPr lang="en-US" altLang="ko-KR" sz="1100" dirty="0">
+                <a:solidFill>
+                  <a:srgbClr val="FF0000"/>
+                </a:solidFill>
+              </a:rPr>
+              <a:t> </a:t>
+            </a:r>
+            <a:r>
+              <a:rPr lang="en-US" altLang="ko-KR" sz="1100" dirty="0" smtClean="0">
+                <a:solidFill>
+                  <a:srgbClr val="FF0000"/>
+                </a:solidFill>
+              </a:rPr>
+              <a:t>Pages </a:t>
+            </a:r>
+            <a:r>
+              <a:rPr lang="ko-KR" altLang="en-US" sz="1100" dirty="0" smtClean="0">
+                <a:solidFill>
+                  <a:srgbClr val="FF0000"/>
+                </a:solidFill>
+              </a:rPr>
+              <a:t>기능을 사용할 수 있다</a:t>
+            </a:r>
+            <a:r>
+              <a:rPr lang="en-US" altLang="ko-KR" sz="1100" dirty="0" smtClean="0">
+                <a:solidFill>
+                  <a:srgbClr val="FF0000"/>
+                </a:solidFill>
+              </a:rPr>
+              <a:t>.</a:t>
+            </a:r>
+            <a:endParaRPr lang="en-US" altLang="ko-KR" sz="1100" dirty="0">
+              <a:solidFill>
+                <a:srgbClr val="FF0000"/>
+              </a:solidFill>
+            </a:endParaRPr>
+          </a:p>
+          <a:p>
+            <a:pPr marL="0" lvl="1">
+              <a:lnSpc>
+                <a:spcPts val="1600"/>
+              </a:lnSpc>
+              <a:spcBef>
+                <a:spcPts val="50"/>
+              </a:spcBef>
+            </a:pPr>
+            <a:r>
+              <a:rPr lang="en-US" altLang="ko-KR" sz="1100" dirty="0" smtClean="0"/>
+              <a:t> </a:t>
             </a:r>
             <a:endParaRPr lang="en-US" altLang="ko-KR" sz="1100" dirty="0"/>
           </a:p>
@@ -10283,7 +10523,7 @@
         </p:nvSpPr>
         <p:spPr>
           <a:xfrm>
-            <a:off x="4041610" y="3182687"/>
+            <a:off x="4041610" y="3681529"/>
             <a:ext cx="1224136" cy="118773"/>
           </a:xfrm>
           <a:prstGeom prst="rect">
@@ -10424,7 +10664,7 @@
         </p:nvCxnSpPr>
         <p:spPr>
           <a:xfrm>
-            <a:off x="5265746" y="3199835"/>
+            <a:off x="5265746" y="3698677"/>
             <a:ext cx="1713688" cy="0"/>
           </a:xfrm>
           <a:prstGeom prst="straightConnector1">
@@ -10462,7 +10702,7 @@
         </p:nvSpPr>
         <p:spPr>
           <a:xfrm>
-            <a:off x="6969224" y="3067943"/>
+            <a:off x="6969224" y="3566785"/>
             <a:ext cx="1492747" cy="230832"/>
           </a:xfrm>
           <a:prstGeom prst="rect">
@@ -10629,7 +10869,7 @@
         </p:blipFill>
         <p:spPr bwMode="auto">
           <a:xfrm>
-            <a:off x="4970634" y="3824186"/>
+            <a:off x="4970634" y="4101978"/>
             <a:ext cx="4491992" cy="2279350"/>
           </a:xfrm>
           <a:prstGeom prst="rect">
@@ -10678,7 +10918,7 @@
         </p:nvSpPr>
         <p:spPr>
           <a:xfrm>
-            <a:off x="6761800" y="5052148"/>
+            <a:off x="6761800" y="5329940"/>
             <a:ext cx="1492747" cy="230832"/>
           </a:xfrm>
           <a:prstGeom prst="rect">
@@ -12219,7 +12459,13 @@
               <a:rPr lang="ko-KR" altLang="en-US" sz="1100" dirty="0" smtClean="0">
                 <a:latin typeface="+mn-ea"/>
               </a:rPr>
-              <a:t>등을 사용해도 무방합니다</a:t>
+              <a:t>등을 사용해도 </a:t>
+            </a:r>
+            <a:r>
+              <a:rPr lang="ko-KR" altLang="en-US" sz="1100" dirty="0" smtClean="0">
+                <a:latin typeface="+mn-ea"/>
+              </a:rPr>
+              <a:t>무방하다</a:t>
             </a:r>
             <a:r>
               <a:rPr lang="en-US" altLang="ko-KR" sz="1100" dirty="0" smtClean="0">
@@ -19075,7 +19321,11 @@
             </a:r>
             <a:r>
               <a:rPr lang="ko-KR" altLang="en-US" sz="1100" dirty="0" smtClean="0"/>
-              <a:t>코드를 사용하여 진행합니다</a:t>
+              <a:t>코드를 사용하여 </a:t>
+            </a:r>
+            <a:r>
+              <a:rPr lang="ko-KR" altLang="en-US" sz="1100" dirty="0" smtClean="0"/>
+              <a:t>진행한다</a:t>
             </a:r>
             <a:r>
               <a:rPr lang="en-US" altLang="ko-KR" sz="1100" dirty="0" smtClean="0"/>
@@ -21136,7 +21386,11 @@
             </a:r>
             <a:r>
               <a:rPr lang="ko-KR" altLang="en-US" sz="1100" dirty="0"/>
-              <a:t>패널에 수정한 파일 목록이 뜨게 됩니다</a:t>
+              <a:t>패널에 수정한 파일 목록이 뜨게 </a:t>
+            </a:r>
+            <a:r>
+              <a:rPr lang="ko-KR" altLang="en-US" sz="1100" dirty="0" smtClean="0"/>
+              <a:t>된다</a:t>
             </a:r>
             <a:r>
               <a:rPr lang="en-US" altLang="ko-KR" sz="1100" dirty="0"/>
@@ -21229,16 +21483,29 @@
                   <a:srgbClr val="FF0000"/>
                 </a:solidFill>
               </a:rPr>
-              <a:t>먼저 진행</a:t>
+              <a:t>먼저 </a:t>
+            </a:r>
+            <a:r>
+              <a:rPr lang="ko-KR" altLang="en-US" sz="1100" dirty="0" smtClean="0">
+                <a:solidFill>
+                  <a:srgbClr val="FF0000"/>
+                </a:solidFill>
+              </a:rPr>
+              <a:t>진행</a:t>
             </a:r>
             <a:r>
               <a:rPr lang="ko-KR" altLang="en-US" sz="1100" dirty="0" smtClean="0"/>
-              <a:t>합니다</a:t>
+              <a:t>한</a:t>
+            </a:r>
+            <a:r>
+              <a:rPr lang="ko-KR" altLang="en-US" sz="1100" dirty="0"/>
+              <a:t>다</a:t>
             </a:r>
             <a:r>
               <a:rPr lang="en-US" altLang="ko-KR" sz="1100" dirty="0" smtClean="0"/>
               <a:t>.)</a:t>
             </a:r>
+            <a:endParaRPr lang="en-US" altLang="ko-KR" sz="1100" dirty="0" smtClean="0"/>
           </a:p>
         </p:txBody>
       </p:sp>
@@ -23177,7 +23444,11 @@
             </a:r>
             <a:r>
               <a:rPr lang="ko-KR" altLang="en-US" sz="1100" dirty="0" smtClean="0"/>
-              <a:t>파일 목록이 사라집니다</a:t>
+              <a:t>파일 목록이 </a:t>
+            </a:r>
+            <a:r>
+              <a:rPr lang="ko-KR" altLang="en-US" sz="1100" dirty="0" smtClean="0"/>
+              <a:t>사라진다</a:t>
             </a:r>
             <a:r>
               <a:rPr lang="en-US" altLang="ko-KR" sz="1100" dirty="0" smtClean="0"/>
@@ -23235,7 +23506,11 @@
             </a:r>
             <a:r>
               <a:rPr lang="ko-KR" altLang="en-US" sz="1100" dirty="0" smtClean="0"/>
-              <a:t>를 진행해야 합니다</a:t>
+              <a:t>를 진행해야 </a:t>
+            </a:r>
+            <a:r>
+              <a:rPr lang="ko-KR" altLang="en-US" sz="1100" dirty="0" smtClean="0"/>
+              <a:t>한다</a:t>
             </a:r>
             <a:r>
               <a:rPr lang="en-US" altLang="ko-KR" sz="1100" dirty="0" smtClean="0"/>
@@ -23587,7 +23862,7 @@
             </a:r>
             <a:r>
               <a:rPr lang="ko-KR" altLang="en-US" sz="1100" dirty="0" smtClean="0"/>
-              <a:t>진행합니다</a:t>
+              <a:t>진행한다</a:t>
             </a:r>
             <a:r>
               <a:rPr lang="en-US" altLang="ko-KR" sz="1100" dirty="0" smtClean="0"/>
@@ -26616,7 +26891,11 @@
             </a:r>
             <a:r>
               <a:rPr lang="ko-KR" altLang="en-US" sz="1100" dirty="0" smtClean="0"/>
-              <a:t>내용을 정리합니다</a:t>
+              <a:t>내용을 </a:t>
+            </a:r>
+            <a:r>
+              <a:rPr lang="ko-KR" altLang="en-US" sz="1100" dirty="0" smtClean="0"/>
+              <a:t>정리한다</a:t>
             </a:r>
             <a:r>
               <a:rPr lang="en-US" altLang="ko-KR" sz="1100" dirty="0" smtClean="0"/>
@@ -27269,11 +27548,11 @@
               <a:t> </a:t>
             </a:r>
             <a:r>
-              <a:rPr lang="ko-KR" altLang="en-US" sz="1100" dirty="0"/>
-              <a:t>진행합니다</a:t>
-            </a:r>
-            <a:r>
-              <a:rPr lang="en-US" altLang="ko-KR" sz="1100" dirty="0"/>
+              <a:rPr lang="ko-KR" altLang="en-US" sz="1100" dirty="0" smtClean="0"/>
+              <a:t>진행한다</a:t>
+            </a:r>
+            <a:r>
+              <a:rPr lang="en-US" altLang="ko-KR" sz="1100" dirty="0" smtClean="0"/>
               <a:t>.</a:t>
             </a:r>
             <a:r>
@@ -27714,7 +27993,11 @@
             </a:r>
             <a:r>
               <a:rPr lang="ko-KR" altLang="en-US" sz="1100" dirty="0" smtClean="0"/>
-              <a:t>내가 수정하지 않은 파일 목록이 뜰 수 있습니다</a:t>
+              <a:t>내가 수정하지 않은 파일 목록이 뜰 수 </a:t>
+            </a:r>
+            <a:r>
+              <a:rPr lang="ko-KR" altLang="en-US" sz="1100" dirty="0" smtClean="0"/>
+              <a:t>있다</a:t>
             </a:r>
             <a:r>
               <a:rPr lang="en-US" altLang="ko-KR" sz="1100" dirty="0" smtClean="0"/>
@@ -27773,12 +28056,17 @@
             </a:r>
             <a:r>
               <a:rPr lang="ko-KR" altLang="en-US" sz="1100" dirty="0" smtClean="0"/>
-              <a:t>를 진행하면 됩니다</a:t>
+              <a:t>를 진행하면 </a:t>
+            </a:r>
+            <a:r>
+              <a:rPr lang="ko-KR" altLang="en-US" sz="1100" dirty="0" smtClean="0"/>
+              <a:t>된다</a:t>
             </a:r>
             <a:r>
               <a:rPr lang="en-US" altLang="ko-KR" sz="1100" dirty="0" smtClean="0"/>
               <a:t>.</a:t>
             </a:r>
+            <a:endParaRPr lang="en-US" altLang="ko-KR" sz="1100" dirty="0" smtClean="0"/>
           </a:p>
         </p:txBody>
       </p:sp>
@@ -33581,7 +33869,11 @@
             </a:r>
             <a:r>
               <a:rPr lang="ko-KR" altLang="en-US" sz="1100" dirty="0" smtClean="0"/>
-              <a:t>목록에 백업한 내용이 나타납니다</a:t>
+              <a:t>목록에 백업한 내용이 </a:t>
+            </a:r>
+            <a:r>
+              <a:rPr lang="ko-KR" altLang="en-US" sz="1100" dirty="0" smtClean="0"/>
+              <a:t>나타난다</a:t>
             </a:r>
             <a:r>
               <a:rPr lang="en-US" altLang="ko-KR" sz="1100" dirty="0" smtClean="0"/>
@@ -33641,7 +33933,11 @@
             </a:r>
             <a:r>
               <a:rPr lang="ko-KR" altLang="en-US" sz="1100" dirty="0" smtClean="0"/>
-              <a:t>을 시도합니다</a:t>
+              <a:t>을 </a:t>
+            </a:r>
+            <a:r>
+              <a:rPr lang="ko-KR" altLang="en-US" sz="1100" dirty="0" smtClean="0"/>
+              <a:t>시도한다</a:t>
             </a:r>
             <a:r>
               <a:rPr lang="en-US" altLang="ko-KR" sz="1100" dirty="0" smtClean="0"/>
@@ -34169,7 +34465,7 @@
         <p:spPr>
           <a:xfrm>
             <a:off x="416496" y="5050430"/>
-            <a:ext cx="9289032" cy="276999"/>
+            <a:ext cx="9289032" cy="297517"/>
           </a:xfrm>
           <a:prstGeom prst="rect">
             <a:avLst/>
@@ -34196,7 +34492,11 @@
             </a:r>
             <a:r>
               <a:rPr lang="ko-KR" altLang="en-US" sz="1100" dirty="0" smtClean="0"/>
-              <a:t>충돌 났던 파일이 원격저장소에서 정상적으로 내려 받아 집니다</a:t>
+              <a:t>충돌 났던 파일이 원격저장소에서 정상적으로 내려 받아 </a:t>
+            </a:r>
+            <a:r>
+              <a:rPr lang="ko-KR" altLang="en-US" sz="1100" dirty="0" smtClean="0"/>
+              <a:t>진다</a:t>
             </a:r>
             <a:r>
               <a:rPr lang="en-US" altLang="ko-KR" sz="1100" dirty="0" smtClean="0"/>
@@ -34204,7 +34504,11 @@
             </a:r>
             <a:r>
               <a:rPr lang="ko-KR" altLang="en-US" sz="1100" dirty="0" smtClean="0"/>
-              <a:t>에 넣어 두었던 파일을 꺼내와야 합니다</a:t>
+              <a:t>에 넣어 두었던 파일을 꺼내와야 </a:t>
+            </a:r>
+            <a:r>
+              <a:rPr lang="ko-KR" altLang="en-US" sz="1100" dirty="0" smtClean="0"/>
+              <a:t>한다</a:t>
             </a:r>
             <a:r>
               <a:rPr lang="en-US" altLang="ko-KR" sz="1100" dirty="0" smtClean="0"/>
@@ -35560,7 +35864,7 @@
         <p:spPr>
           <a:xfrm>
             <a:off x="410410" y="1036326"/>
-            <a:ext cx="9289032" cy="276999"/>
+            <a:ext cx="9289032" cy="297517"/>
           </a:xfrm>
           <a:prstGeom prst="rect">
             <a:avLst/>
@@ -35609,7 +35913,11 @@
             </a:r>
             <a:r>
               <a:rPr lang="ko-KR" altLang="en-US" sz="1100" dirty="0" smtClean="0"/>
-              <a:t>를 진행합니다</a:t>
+              <a:t>를 </a:t>
+            </a:r>
+            <a:r>
+              <a:rPr lang="ko-KR" altLang="en-US" sz="1100" dirty="0" smtClean="0"/>
+              <a:t>진행한다</a:t>
             </a:r>
             <a:r>
               <a:rPr lang="en-US" altLang="ko-KR" sz="1100" dirty="0" smtClean="0"/>
@@ -37730,8 +38038,8 @@
               <a:t> </a:t>
             </a:r>
             <a:r>
-              <a:rPr lang="ko-KR" altLang="en-US" sz="1100" dirty="0"/>
-              <a:t>진행합니다</a:t>
+              <a:rPr lang="ko-KR" altLang="en-US" sz="1100" dirty="0" smtClean="0"/>
+              <a:t>진행한다</a:t>
             </a:r>
             <a:r>
               <a:rPr lang="en-US" altLang="ko-KR" sz="1100" dirty="0"/>
@@ -37959,11 +38267,7 @@
             </a:r>
             <a:r>
               <a:rPr lang="ko-KR" altLang="en-US" sz="1100" dirty="0" smtClean="0"/>
-              <a:t>을 </a:t>
-            </a:r>
-            <a:r>
-              <a:rPr lang="ko-KR" altLang="en-US" sz="1100" dirty="0" smtClean="0"/>
-              <a:t>해야 하는 등 비효율적이고 사용방법이 다소 어려움</a:t>
+              <a:t>을 해야 하는 등 비효율적이고 사용방법이 다소 어려움</a:t>
             </a:r>
             <a:r>
               <a:rPr lang="en-US" altLang="ko-KR" sz="1100" dirty="0" smtClean="0"/>
@@ -38605,14 +38909,7 @@
                 <a:latin typeface="맑은 고딕" pitchFamily="50" charset="-127"/>
                 <a:ea typeface="맑은 고딕" pitchFamily="50" charset="-127"/>
               </a:rPr>
-              <a:t>문서의 </a:t>
-            </a:r>
-            <a:r>
-              <a:rPr lang="ko-KR" altLang="en-US" sz="1400" dirty="0" smtClean="0">
-                <a:latin typeface="맑은 고딕" pitchFamily="50" charset="-127"/>
-                <a:ea typeface="맑은 고딕" pitchFamily="50" charset="-127"/>
-              </a:rPr>
-              <a:t>목적</a:t>
+              <a:t>문서의 목적</a:t>
             </a:r>
             <a:endParaRPr lang="en-US" altLang="ko-KR" sz="1400" dirty="0" smtClean="0">
               <a:latin typeface="맑은 고딕" pitchFamily="50" charset="-127"/>
